--- a/readme.pptx
+++ b/readme.pptx
@@ -11,8 +11,9 @@
     <p:sldId id="259" r:id="rId5"/>
     <p:sldId id="260" r:id="rId6"/>
     <p:sldId id="262" r:id="rId7"/>
-    <p:sldId id="263" r:id="rId8"/>
-    <p:sldId id="264" r:id="rId9"/>
+    <p:sldId id="265" r:id="rId8"/>
+    <p:sldId id="263" r:id="rId9"/>
+    <p:sldId id="264" r:id="rId10"/>
   </p:sldIdLst>
   <p:sldSz cx="12192000" cy="6858000"/>
   <p:notesSz cx="6858000" cy="9144000"/>
@@ -111,6 +112,11 @@
       </a:defRPr>
     </a:lvl9pPr>
   </p:defaultTextStyle>
+  <p:extLst>
+    <p:ext uri="{EFAFB233-063F-42B5-8137-9DF3F51BA10A}">
+      <p15:sldGuideLst xmlns:p15="http://schemas.microsoft.com/office/powerpoint/2012/main"/>
+    </p:ext>
+  </p:extLst>
 </p:presentation>
 </file>
 
@@ -263,7 +269,7 @@
           <a:p>
             <a:fld id="{6A39B850-B602-4D69-9DFD-9FDD27C1111D}" type="datetimeFigureOut">
               <a:rPr lang="en-PH" smtClean="0"/>
-              <a:t>06/11/2020</a:t>
+              <a:t>09/11/2020</a:t>
             </a:fld>
             <a:endParaRPr lang="en-PH"/>
           </a:p>
@@ -463,7 +469,7 @@
           <a:p>
             <a:fld id="{6A39B850-B602-4D69-9DFD-9FDD27C1111D}" type="datetimeFigureOut">
               <a:rPr lang="en-PH" smtClean="0"/>
-              <a:t>06/11/2020</a:t>
+              <a:t>09/11/2020</a:t>
             </a:fld>
             <a:endParaRPr lang="en-PH"/>
           </a:p>
@@ -673,7 +679,7 @@
           <a:p>
             <a:fld id="{6A39B850-B602-4D69-9DFD-9FDD27C1111D}" type="datetimeFigureOut">
               <a:rPr lang="en-PH" smtClean="0"/>
-              <a:t>06/11/2020</a:t>
+              <a:t>09/11/2020</a:t>
             </a:fld>
             <a:endParaRPr lang="en-PH"/>
           </a:p>
@@ -873,7 +879,7 @@
           <a:p>
             <a:fld id="{6A39B850-B602-4D69-9DFD-9FDD27C1111D}" type="datetimeFigureOut">
               <a:rPr lang="en-PH" smtClean="0"/>
-              <a:t>06/11/2020</a:t>
+              <a:t>09/11/2020</a:t>
             </a:fld>
             <a:endParaRPr lang="en-PH"/>
           </a:p>
@@ -1149,7 +1155,7 @@
           <a:p>
             <a:fld id="{6A39B850-B602-4D69-9DFD-9FDD27C1111D}" type="datetimeFigureOut">
               <a:rPr lang="en-PH" smtClean="0"/>
-              <a:t>06/11/2020</a:t>
+              <a:t>09/11/2020</a:t>
             </a:fld>
             <a:endParaRPr lang="en-PH"/>
           </a:p>
@@ -1417,7 +1423,7 @@
           <a:p>
             <a:fld id="{6A39B850-B602-4D69-9DFD-9FDD27C1111D}" type="datetimeFigureOut">
               <a:rPr lang="en-PH" smtClean="0"/>
-              <a:t>06/11/2020</a:t>
+              <a:t>09/11/2020</a:t>
             </a:fld>
             <a:endParaRPr lang="en-PH"/>
           </a:p>
@@ -1832,7 +1838,7 @@
           <a:p>
             <a:fld id="{6A39B850-B602-4D69-9DFD-9FDD27C1111D}" type="datetimeFigureOut">
               <a:rPr lang="en-PH" smtClean="0"/>
-              <a:t>06/11/2020</a:t>
+              <a:t>09/11/2020</a:t>
             </a:fld>
             <a:endParaRPr lang="en-PH"/>
           </a:p>
@@ -1974,7 +1980,7 @@
           <a:p>
             <a:fld id="{6A39B850-B602-4D69-9DFD-9FDD27C1111D}" type="datetimeFigureOut">
               <a:rPr lang="en-PH" smtClean="0"/>
-              <a:t>06/11/2020</a:t>
+              <a:t>09/11/2020</a:t>
             </a:fld>
             <a:endParaRPr lang="en-PH"/>
           </a:p>
@@ -2087,7 +2093,7 @@
           <a:p>
             <a:fld id="{6A39B850-B602-4D69-9DFD-9FDD27C1111D}" type="datetimeFigureOut">
               <a:rPr lang="en-PH" smtClean="0"/>
-              <a:t>06/11/2020</a:t>
+              <a:t>09/11/2020</a:t>
             </a:fld>
             <a:endParaRPr lang="en-PH"/>
           </a:p>
@@ -2400,7 +2406,7 @@
           <a:p>
             <a:fld id="{6A39B850-B602-4D69-9DFD-9FDD27C1111D}" type="datetimeFigureOut">
               <a:rPr lang="en-PH" smtClean="0"/>
-              <a:t>06/11/2020</a:t>
+              <a:t>09/11/2020</a:t>
             </a:fld>
             <a:endParaRPr lang="en-PH"/>
           </a:p>
@@ -2689,7 +2695,7 @@
           <a:p>
             <a:fld id="{6A39B850-B602-4D69-9DFD-9FDD27C1111D}" type="datetimeFigureOut">
               <a:rPr lang="en-PH" smtClean="0"/>
-              <a:t>06/11/2020</a:t>
+              <a:t>09/11/2020</a:t>
             </a:fld>
             <a:endParaRPr lang="en-PH"/>
           </a:p>
@@ -2932,7 +2938,7 @@
           <a:p>
             <a:fld id="{6A39B850-B602-4D69-9DFD-9FDD27C1111D}" type="datetimeFigureOut">
               <a:rPr lang="en-PH" smtClean="0"/>
-              <a:t>06/11/2020</a:t>
+              <a:t>09/11/2020</a:t>
             </a:fld>
             <a:endParaRPr lang="en-PH"/>
           </a:p>
@@ -4739,7 +4745,7 @@
         <p:spPr>
           <a:xfrm>
             <a:off x="357474" y="707413"/>
-            <a:ext cx="8618746" cy="369332"/>
+            <a:ext cx="8618746" cy="2031325"/>
           </a:xfrm>
           <a:prstGeom prst="rect">
             <a:avLst/>
@@ -4752,36 +4758,79 @@
           </a:bodyPr>
           <a:lstStyle/>
           <a:p>
+            <a:pPr marL="285750" indent="-285750">
+              <a:buFontTx/>
+              <a:buChar char="-"/>
+            </a:pPr>
             <a:r>
               <a:rPr lang="en-US" dirty="0"/>
-              <a:t>Run </a:t>
+              <a:t>Open </a:t>
             </a:r>
             <a:r>
               <a:rPr lang="en-US" dirty="0" err="1"/>
-              <a:t>ocalhost</a:t>
+              <a:t>cmd</a:t>
             </a:r>
             <a:r>
               <a:rPr lang="en-US" dirty="0"/>
-              <a:t>/</a:t>
-            </a:r>
-            <a:r>
-              <a:rPr lang="en-US" dirty="0" err="1"/>
-              <a:t>pointblue_exam</a:t>
-            </a:r>
+              <a:t> </a:t>
+            </a:r>
+          </a:p>
+          <a:p>
+            <a:pPr marL="285750" indent="-285750">
+              <a:buFontTx/>
+              <a:buChar char="-"/>
+            </a:pPr>
             <a:r>
               <a:rPr lang="en-US" dirty="0"/>
-              <a:t>/exam1.php</a:t>
-            </a:r>
+              <a:t>Type “cd c:/xampp/htdocs/pointblue_exam/</a:t>
+            </a:r>
+          </a:p>
+          <a:p>
+            <a:pPr marL="285750" indent="-285750">
+              <a:buFontTx/>
+              <a:buChar char="-"/>
+            </a:pPr>
+            <a:r>
+              <a:rPr lang="en-US" dirty="0"/>
+              <a:t>Type “node db_connection.js” this is to run the API.</a:t>
+            </a:r>
+          </a:p>
+          <a:p>
+            <a:pPr marL="285750" indent="-285750">
+              <a:buFontTx/>
+              <a:buChar char="-"/>
+            </a:pPr>
+            <a:r>
+              <a:rPr lang="en-US" dirty="0"/>
+              <a:t>Then click the file “exam1.html”</a:t>
+            </a:r>
+            <a:br>
+              <a:rPr lang="en-US" dirty="0"/>
+            </a:br>
+            <a:endParaRPr lang="en-US" dirty="0"/>
+          </a:p>
+          <a:p>
+            <a:pPr marL="285750" indent="-285750">
+              <a:buFontTx/>
+              <a:buChar char="-"/>
+            </a:pPr>
+            <a:endParaRPr lang="en-US" dirty="0"/>
+          </a:p>
+          <a:p>
+            <a:pPr marL="285750" indent="-285750">
+              <a:buFontTx/>
+              <a:buChar char="-"/>
+            </a:pPr>
             <a:endParaRPr lang="en-PH" dirty="0"/>
           </a:p>
         </p:txBody>
       </p:sp>
       <p:pic>
         <p:nvPicPr>
-          <p:cNvPr id="3" name="Picture 2">
-            <a:extLst>
-              <a:ext uri="{FF2B5EF4-FFF2-40B4-BE49-F238E27FC236}">
-                <a16:creationId xmlns:a16="http://schemas.microsoft.com/office/drawing/2014/main" id="{AE926BA7-CA7D-4294-A01C-E43ED86A560D}"/>
+          <p:cNvPr id="2" name="Picture 1">
+            <a:extLst>
+              <a:ext uri="{FF2B5EF4-FFF2-40B4-BE49-F238E27FC236}">
+                <a16:creationId xmlns:a16="http://schemas.microsoft.com/office/drawing/2014/main" id="{CF81EFF5-F823-4D53-B0F6-EA6BDF2E8D9B}"/>
               </a:ext>
             </a:extLst>
           </p:cNvPr>
@@ -4798,8 +4847,38 @@
         </p:blipFill>
         <p:spPr>
           <a:xfrm>
-            <a:off x="2063691" y="1618693"/>
-            <a:ext cx="7192161" cy="3855240"/>
+            <a:off x="240028" y="1978102"/>
+            <a:ext cx="5459593" cy="2901796"/>
+          </a:xfrm>
+          <a:prstGeom prst="rect">
+            <a:avLst/>
+          </a:prstGeom>
+        </p:spPr>
+      </p:pic>
+      <p:pic>
+        <p:nvPicPr>
+          <p:cNvPr id="5" name="Picture 4">
+            <a:extLst>
+              <a:ext uri="{FF2B5EF4-FFF2-40B4-BE49-F238E27FC236}">
+                <a16:creationId xmlns:a16="http://schemas.microsoft.com/office/drawing/2014/main" id="{57540626-60C6-4107-9F05-F5068CCF704F}"/>
+              </a:ext>
+            </a:extLst>
+          </p:cNvPr>
+          <p:cNvPicPr>
+            <a:picLocks noChangeAspect="1"/>
+          </p:cNvPicPr>
+          <p:nvPr/>
+        </p:nvPicPr>
+        <p:blipFill>
+          <a:blip r:embed="rId3"/>
+          <a:stretch>
+            <a:fillRect/>
+          </a:stretch>
+        </p:blipFill>
+        <p:spPr>
+          <a:xfrm>
+            <a:off x="4941115" y="2758346"/>
+            <a:ext cx="6570798" cy="3392241"/>
           </a:xfrm>
           <a:prstGeom prst="rect">
             <a:avLst/>
@@ -4851,7 +4930,7 @@
         <p:spPr>
           <a:xfrm>
             <a:off x="357474" y="707413"/>
-            <a:ext cx="8618746" cy="646331"/>
+            <a:ext cx="8618746" cy="2031325"/>
           </a:xfrm>
           <a:prstGeom prst="rect">
             <a:avLst/>
@@ -4864,27 +4943,79 @@
           </a:bodyPr>
           <a:lstStyle/>
           <a:p>
+            <a:pPr marL="285750" indent="-285750">
+              <a:buFontTx/>
+              <a:buChar char="-"/>
+            </a:pPr>
             <a:r>
               <a:rPr lang="en-US" dirty="0"/>
-              <a:t>Exam 2 </a:t>
+              <a:t>Open </a:t>
+            </a:r>
+            <a:r>
+              <a:rPr lang="en-US" dirty="0" err="1"/>
+              <a:t>cmd</a:t>
+            </a:r>
+            <a:r>
+              <a:rPr lang="en-US" dirty="0"/>
+              <a:t> </a:t>
+            </a:r>
+          </a:p>
+          <a:p>
+            <a:pPr marL="285750" indent="-285750">
+              <a:buFontTx/>
+              <a:buChar char="-"/>
+            </a:pPr>
+            <a:r>
+              <a:rPr lang="en-US" dirty="0"/>
+              <a:t>Type “cd c:/xampp/htdocs/pointblue_exam/</a:t>
+            </a:r>
+          </a:p>
+          <a:p>
+            <a:pPr marL="285750" indent="-285750">
+              <a:buFontTx/>
+              <a:buChar char="-"/>
+            </a:pPr>
+            <a:r>
+              <a:rPr lang="en-US" dirty="0"/>
+              <a:t>Type “node db_connection.js” this is to run the API.</a:t>
+            </a:r>
+          </a:p>
+          <a:p>
+            <a:pPr marL="285750" indent="-285750">
+              <a:buFontTx/>
+              <a:buChar char="-"/>
+            </a:pPr>
+            <a:r>
+              <a:rPr lang="en-US" dirty="0"/>
+              <a:t>Then click the file “exam1.html”</a:t>
             </a:r>
             <a:br>
               <a:rPr lang="en-US" dirty="0"/>
             </a:br>
-            <a:r>
-              <a:rPr lang="en-US" dirty="0"/>
-              <a:t>Click Exam 2 from exam 1 or Just click exam2.html</a:t>
-            </a:r>
+            <a:endParaRPr lang="en-US" dirty="0"/>
+          </a:p>
+          <a:p>
+            <a:pPr marL="285750" indent="-285750">
+              <a:buFontTx/>
+              <a:buChar char="-"/>
+            </a:pPr>
+            <a:endParaRPr lang="en-US" dirty="0"/>
+          </a:p>
+          <a:p>
+            <a:pPr marL="285750" indent="-285750">
+              <a:buFontTx/>
+              <a:buChar char="-"/>
+            </a:pPr>
             <a:endParaRPr lang="en-PH" dirty="0"/>
           </a:p>
         </p:txBody>
       </p:sp>
       <p:pic>
         <p:nvPicPr>
-          <p:cNvPr id="4" name="Picture 3">
-            <a:extLst>
-              <a:ext uri="{FF2B5EF4-FFF2-40B4-BE49-F238E27FC236}">
-                <a16:creationId xmlns:a16="http://schemas.microsoft.com/office/drawing/2014/main" id="{99F75599-8120-4A1D-9EA6-4E62B7155790}"/>
+          <p:cNvPr id="3" name="Picture 2">
+            <a:extLst>
+              <a:ext uri="{FF2B5EF4-FFF2-40B4-BE49-F238E27FC236}">
+                <a16:creationId xmlns:a16="http://schemas.microsoft.com/office/drawing/2014/main" id="{92AC668B-7A76-4B5C-8B95-A4FE60506DCF}"/>
               </a:ext>
             </a:extLst>
           </p:cNvPr>
@@ -4893,15 +5024,16 @@
           </p:cNvPicPr>
           <p:nvPr/>
         </p:nvPicPr>
-        <p:blipFill rotWithShape="1">
+        <p:blipFill>
           <a:blip r:embed="rId2"/>
-          <a:srcRect l="-467" t="8921" r="78726" b="62781"/>
-          <a:stretch/>
+          <a:stretch>
+            <a:fillRect/>
+          </a:stretch>
         </p:blipFill>
         <p:spPr>
           <a:xfrm>
-            <a:off x="357475" y="1434135"/>
-            <a:ext cx="2946310" cy="2055685"/>
+            <a:off x="1136589" y="2267974"/>
+            <a:ext cx="7267819" cy="3702578"/>
           </a:xfrm>
           <a:prstGeom prst="rect">
             <a:avLst/>
@@ -4922,64 +5054,85 @@
           </a:effectLst>
         </p:spPr>
       </p:pic>
-      <p:sp>
-        <p:nvSpPr>
-          <p:cNvPr id="2" name="Rectangle 1">
-            <a:extLst>
-              <a:ext uri="{FF2B5EF4-FFF2-40B4-BE49-F238E27FC236}">
-                <a16:creationId xmlns:a16="http://schemas.microsoft.com/office/drawing/2014/main" id="{8C9EBE85-FD55-4748-974F-ED0B97EA46B7}"/>
-              </a:ext>
-            </a:extLst>
-          </p:cNvPr>
-          <p:cNvSpPr/>
+    </p:spTree>
+    <p:extLst>
+      <p:ext uri="{BB962C8B-B14F-4D97-AF65-F5344CB8AC3E}">
+        <p14:creationId xmlns:p14="http://schemas.microsoft.com/office/powerpoint/2010/main" val="1390333540"/>
+      </p:ext>
+    </p:extLst>
+  </p:cSld>
+  <p:clrMapOvr>
+    <a:masterClrMapping/>
+  </p:clrMapOvr>
+</p:sld>
+</file>
+
+<file path=ppt/slides/slide8.xml><?xml version="1.0" encoding="utf-8"?>
+<p:sld xmlns:a="http://schemas.openxmlformats.org/drawingml/2006/main" xmlns:r="http://schemas.openxmlformats.org/officeDocument/2006/relationships" xmlns:p="http://schemas.openxmlformats.org/presentationml/2006/main">
+  <p:cSld>
+    <p:spTree>
+      <p:nvGrpSpPr>
+        <p:cNvPr id="1" name=""/>
+        <p:cNvGrpSpPr/>
+        <p:nvPr/>
+      </p:nvGrpSpPr>
+      <p:grpSpPr>
+        <a:xfrm>
+          <a:off x="0" y="0"/>
+          <a:ext cx="0" cy="0"/>
+          <a:chOff x="0" y="0"/>
+          <a:chExt cx="0" cy="0"/>
+        </a:xfrm>
+      </p:grpSpPr>
+      <p:sp>
+        <p:nvSpPr>
+          <p:cNvPr id="6" name="TextBox 5">
+            <a:extLst>
+              <a:ext uri="{FF2B5EF4-FFF2-40B4-BE49-F238E27FC236}">
+                <a16:creationId xmlns:a16="http://schemas.microsoft.com/office/drawing/2014/main" id="{3D118084-159E-436F-AA04-D2185BF33D9C}"/>
+              </a:ext>
+            </a:extLst>
+          </p:cNvPr>
+          <p:cNvSpPr txBox="1"/>
           <p:nvPr/>
         </p:nvSpPr>
         <p:spPr>
           <a:xfrm>
-            <a:off x="1770077" y="1463183"/>
-            <a:ext cx="545284" cy="352338"/>
+            <a:off x="357474" y="707413"/>
+            <a:ext cx="8618746" cy="646331"/>
           </a:xfrm>
           <a:prstGeom prst="rect">
             <a:avLst/>
           </a:prstGeom>
           <a:noFill/>
-          <a:ln>
-            <a:solidFill>
-              <a:srgbClr val="C00000"/>
-            </a:solidFill>
-          </a:ln>
-        </p:spPr>
-        <p:style>
-          <a:lnRef idx="2">
-            <a:schemeClr val="accent1">
-              <a:shade val="50000"/>
-            </a:schemeClr>
-          </a:lnRef>
-          <a:fillRef idx="1">
-            <a:schemeClr val="accent1"/>
-          </a:fillRef>
-          <a:effectRef idx="0">
-            <a:schemeClr val="accent1"/>
-          </a:effectRef>
-          <a:fontRef idx="minor">
-            <a:schemeClr val="lt1"/>
-          </a:fontRef>
-        </p:style>
-        <p:txBody>
-          <a:bodyPr rtlCol="0" anchor="ctr"/>
-          <a:lstStyle/>
-          <a:p>
-            <a:pPr algn="ctr"/>
-            <a:endParaRPr lang="en-PH"/>
+        </p:spPr>
+        <p:txBody>
+          <a:bodyPr wrap="square" rtlCol="0">
+            <a:spAutoFit/>
+          </a:bodyPr>
+          <a:lstStyle/>
+          <a:p>
+            <a:r>
+              <a:rPr lang="en-US" dirty="0"/>
+              <a:t>Exam 2 </a:t>
+            </a:r>
+            <a:br>
+              <a:rPr lang="en-US" dirty="0"/>
+            </a:br>
+            <a:r>
+              <a:rPr lang="en-US" dirty="0"/>
+              <a:t>Click Exam 2 from exam 1 or Just click exam2.html</a:t>
+            </a:r>
+            <a:endParaRPr lang="en-PH" dirty="0"/>
           </a:p>
         </p:txBody>
       </p:sp>
       <p:pic>
         <p:nvPicPr>
-          <p:cNvPr id="5" name="Picture 4">
-            <a:extLst>
-              <a:ext uri="{FF2B5EF4-FFF2-40B4-BE49-F238E27FC236}">
-                <a16:creationId xmlns:a16="http://schemas.microsoft.com/office/drawing/2014/main" id="{C027AB4F-CC53-4BC0-8CC6-73A312F90248}"/>
+          <p:cNvPr id="4" name="Picture 3">
+            <a:extLst>
+              <a:ext uri="{FF2B5EF4-FFF2-40B4-BE49-F238E27FC236}">
+                <a16:creationId xmlns:a16="http://schemas.microsoft.com/office/drawing/2014/main" id="{99F75599-8120-4A1D-9EA6-4E62B7155790}"/>
               </a:ext>
             </a:extLst>
           </p:cNvPr>
@@ -4988,16 +5141,15 @@
           </p:cNvPicPr>
           <p:nvPr/>
         </p:nvPicPr>
-        <p:blipFill>
-          <a:blip r:embed="rId3"/>
-          <a:stretch>
-            <a:fillRect/>
-          </a:stretch>
+        <p:blipFill rotWithShape="1">
+          <a:blip r:embed="rId2"/>
+          <a:srcRect l="-467" t="8921" r="78726" b="62781"/>
+          <a:stretch/>
         </p:blipFill>
         <p:spPr>
           <a:xfrm>
-            <a:off x="4141933" y="1535055"/>
-            <a:ext cx="4326961" cy="1644374"/>
+            <a:off x="357475" y="1434135"/>
+            <a:ext cx="2946310" cy="2055685"/>
           </a:xfrm>
           <a:prstGeom prst="rect">
             <a:avLst/>
@@ -5020,10 +5172,10 @@
       </p:pic>
       <p:sp>
         <p:nvSpPr>
-          <p:cNvPr id="7" name="Rectangle 6">
-            <a:extLst>
-              <a:ext uri="{FF2B5EF4-FFF2-40B4-BE49-F238E27FC236}">
-                <a16:creationId xmlns:a16="http://schemas.microsoft.com/office/drawing/2014/main" id="{B0868A81-17F3-438B-A1C6-DBEFDD0C3CA9}"/>
+          <p:cNvPr id="2" name="Rectangle 1">
+            <a:extLst>
+              <a:ext uri="{FF2B5EF4-FFF2-40B4-BE49-F238E27FC236}">
+                <a16:creationId xmlns:a16="http://schemas.microsoft.com/office/drawing/2014/main" id="{8C9EBE85-FD55-4748-974F-ED0B97EA46B7}"/>
               </a:ext>
             </a:extLst>
           </p:cNvPr>
@@ -5032,8 +5184,8 @@
         </p:nvSpPr>
         <p:spPr>
           <a:xfrm>
-            <a:off x="4141933" y="2306972"/>
-            <a:ext cx="4326961" cy="243281"/>
+            <a:off x="1770077" y="1463183"/>
+            <a:ext cx="545284" cy="352338"/>
           </a:xfrm>
           <a:prstGeom prst="rect">
             <a:avLst/>
@@ -5072,10 +5224,10 @@
       </p:sp>
       <p:pic>
         <p:nvPicPr>
-          <p:cNvPr id="8" name="Picture 7">
-            <a:extLst>
-              <a:ext uri="{FF2B5EF4-FFF2-40B4-BE49-F238E27FC236}">
-                <a16:creationId xmlns:a16="http://schemas.microsoft.com/office/drawing/2014/main" id="{4E942617-D7FD-4DF5-A7B5-D8A1517022A5}"/>
+          <p:cNvPr id="5" name="Picture 4">
+            <a:extLst>
+              <a:ext uri="{FF2B5EF4-FFF2-40B4-BE49-F238E27FC236}">
+                <a16:creationId xmlns:a16="http://schemas.microsoft.com/office/drawing/2014/main" id="{C027AB4F-CC53-4BC0-8CC6-73A312F90248}"/>
               </a:ext>
             </a:extLst>
           </p:cNvPr>
@@ -5085,15 +5237,15 @@
           <p:nvPr/>
         </p:nvPicPr>
         <p:blipFill>
-          <a:blip r:embed="rId4"/>
+          <a:blip r:embed="rId3"/>
           <a:stretch>
             <a:fillRect/>
           </a:stretch>
         </p:blipFill>
         <p:spPr>
           <a:xfrm>
-            <a:off x="3657599" y="3335704"/>
-            <a:ext cx="8064241" cy="3266788"/>
+            <a:off x="4141933" y="1535055"/>
+            <a:ext cx="4326961" cy="1644374"/>
           </a:xfrm>
           <a:prstGeom prst="rect">
             <a:avLst/>
@@ -5114,6 +5266,102 @@
           </a:effectLst>
         </p:spPr>
       </p:pic>
+      <p:sp>
+        <p:nvSpPr>
+          <p:cNvPr id="7" name="Rectangle 6">
+            <a:extLst>
+              <a:ext uri="{FF2B5EF4-FFF2-40B4-BE49-F238E27FC236}">
+                <a16:creationId xmlns:a16="http://schemas.microsoft.com/office/drawing/2014/main" id="{B0868A81-17F3-438B-A1C6-DBEFDD0C3CA9}"/>
+              </a:ext>
+            </a:extLst>
+          </p:cNvPr>
+          <p:cNvSpPr/>
+          <p:nvPr/>
+        </p:nvSpPr>
+        <p:spPr>
+          <a:xfrm>
+            <a:off x="4141933" y="2306972"/>
+            <a:ext cx="4326961" cy="243281"/>
+          </a:xfrm>
+          <a:prstGeom prst="rect">
+            <a:avLst/>
+          </a:prstGeom>
+          <a:noFill/>
+          <a:ln>
+            <a:solidFill>
+              <a:srgbClr val="C00000"/>
+            </a:solidFill>
+          </a:ln>
+        </p:spPr>
+        <p:style>
+          <a:lnRef idx="2">
+            <a:schemeClr val="accent1">
+              <a:shade val="50000"/>
+            </a:schemeClr>
+          </a:lnRef>
+          <a:fillRef idx="1">
+            <a:schemeClr val="accent1"/>
+          </a:fillRef>
+          <a:effectRef idx="0">
+            <a:schemeClr val="accent1"/>
+          </a:effectRef>
+          <a:fontRef idx="minor">
+            <a:schemeClr val="lt1"/>
+          </a:fontRef>
+        </p:style>
+        <p:txBody>
+          <a:bodyPr rtlCol="0" anchor="ctr"/>
+          <a:lstStyle/>
+          <a:p>
+            <a:pPr algn="ctr"/>
+            <a:endParaRPr lang="en-PH"/>
+          </a:p>
+        </p:txBody>
+      </p:sp>
+      <p:pic>
+        <p:nvPicPr>
+          <p:cNvPr id="8" name="Picture 7">
+            <a:extLst>
+              <a:ext uri="{FF2B5EF4-FFF2-40B4-BE49-F238E27FC236}">
+                <a16:creationId xmlns:a16="http://schemas.microsoft.com/office/drawing/2014/main" id="{4E942617-D7FD-4DF5-A7B5-D8A1517022A5}"/>
+              </a:ext>
+            </a:extLst>
+          </p:cNvPr>
+          <p:cNvPicPr>
+            <a:picLocks noChangeAspect="1"/>
+          </p:cNvPicPr>
+          <p:nvPr/>
+        </p:nvPicPr>
+        <p:blipFill>
+          <a:blip r:embed="rId4"/>
+          <a:stretch>
+            <a:fillRect/>
+          </a:stretch>
+        </p:blipFill>
+        <p:spPr>
+          <a:xfrm>
+            <a:off x="3657599" y="3335704"/>
+            <a:ext cx="8064241" cy="3266788"/>
+          </a:xfrm>
+          <a:prstGeom prst="rect">
+            <a:avLst/>
+          </a:prstGeom>
+          <a:ln w="38100" cap="sq">
+            <a:solidFill>
+              <a:srgbClr val="000000"/>
+            </a:solidFill>
+            <a:prstDash val="solid"/>
+            <a:miter lim="800000"/>
+          </a:ln>
+          <a:effectLst>
+            <a:outerShdw blurRad="50800" dist="38100" dir="2700000" algn="tl" rotWithShape="0">
+              <a:srgbClr val="000000">
+                <a:alpha val="43000"/>
+              </a:srgbClr>
+            </a:outerShdw>
+          </a:effectLst>
+        </p:spPr>
+      </p:pic>
     </p:spTree>
     <p:extLst>
       <p:ext uri="{BB962C8B-B14F-4D97-AF65-F5344CB8AC3E}">
@@ -5127,7 +5375,7 @@
 </p:sld>
 </file>
 
-<file path=ppt/slides/slide8.xml><?xml version="1.0" encoding="utf-8"?>
+<file path=ppt/slides/slide9.xml><?xml version="1.0" encoding="utf-8"?>
 <p:sld xmlns:a="http://schemas.openxmlformats.org/drawingml/2006/main" xmlns:r="http://schemas.openxmlformats.org/officeDocument/2006/relationships" xmlns:p="http://schemas.openxmlformats.org/presentationml/2006/main">
   <p:cSld>
     <p:spTree>
